--- a/Präsentation1.pptx
+++ b/Präsentation1.pptx
@@ -6,6 +6,14 @@
   </p:sldMasterIdLst>
   <p:sldIdLst>
     <p:sldId id="256" r:id="rId2"/>
+    <p:sldId id="257" r:id="rId3"/>
+    <p:sldId id="258" r:id="rId4"/>
+    <p:sldId id="259" r:id="rId5"/>
+    <p:sldId id="264" r:id="rId6"/>
+    <p:sldId id="260" r:id="rId7"/>
+    <p:sldId id="261" r:id="rId8"/>
+    <p:sldId id="262" r:id="rId9"/>
+    <p:sldId id="263" r:id="rId10"/>
   </p:sldIdLst>
   <p:sldSz cx="12192000" cy="6858000"/>
   <p:notesSz cx="6858000" cy="9144000"/>
@@ -104,6 +112,11 @@
       </a:defRPr>
     </a:lvl9pPr>
   </p:defaultTextStyle>
+  <p:extLst>
+    <p:ext uri="{EFAFB233-063F-42B5-8137-9DF3F51BA10A}">
+      <p15:sldGuideLst xmlns:p15="http://schemas.microsoft.com/office/powerpoint/2012/main"/>
+    </p:ext>
+  </p:extLst>
 </p:presentation>
 </file>
 
@@ -3342,7 +3355,13 @@
           <a:bodyPr/>
           <a:lstStyle/>
           <a:p>
-            <a:endParaRPr lang="de-DE"/>
+            <a:pPr algn="l"/>
+            <a:r>
+              <a:rPr lang="de-DE" dirty="0">
+                <a:latin typeface="Century Gothic" panose="020B0502020202020204" pitchFamily="34" charset="0"/>
+              </a:rPr>
+              <a:t>SKILL-KOMPASS</a:t>
+            </a:r>
           </a:p>
         </p:txBody>
       </p:sp>
@@ -3367,14 +3386,1323 @@
           <a:bodyPr/>
           <a:lstStyle/>
           <a:p>
-            <a:endParaRPr lang="de-DE"/>
-          </a:p>
-        </p:txBody>
-      </p:sp>
+            <a:pPr algn="l"/>
+            <a:endParaRPr lang="de-DE" dirty="0"/>
+          </a:p>
+        </p:txBody>
+      </p:sp>
+      <p:pic>
+        <p:nvPicPr>
+          <p:cNvPr id="5" name="Grafik 4">
+            <a:extLst>
+              <a:ext uri="{FF2B5EF4-FFF2-40B4-BE49-F238E27FC236}">
+                <a16:creationId xmlns:a16="http://schemas.microsoft.com/office/drawing/2014/main" id="{D51EB2C1-38EC-4F3B-A8B6-9267050A953A}"/>
+              </a:ext>
+            </a:extLst>
+          </p:cNvPr>
+          <p:cNvPicPr>
+            <a:picLocks noChangeAspect="1"/>
+          </p:cNvPicPr>
+          <p:nvPr/>
+        </p:nvPicPr>
+        <p:blipFill>
+          <a:blip r:embed="rId2">
+            <a:extLst>
+              <a:ext uri="{28A0092B-C50C-407E-A947-70E740481C1C}">
+                <a14:useLocalDpi xmlns:a14="http://schemas.microsoft.com/office/drawing/2010/main" val="0"/>
+              </a:ext>
+            </a:extLst>
+          </a:blip>
+          <a:stretch>
+            <a:fillRect/>
+          </a:stretch>
+        </p:blipFill>
+        <p:spPr>
+          <a:xfrm>
+            <a:off x="9393382" y="208136"/>
+            <a:ext cx="2549236" cy="1274618"/>
+          </a:xfrm>
+          <a:prstGeom prst="rect">
+            <a:avLst/>
+          </a:prstGeom>
+        </p:spPr>
+      </p:pic>
     </p:spTree>
     <p:extLst>
       <p:ext uri="{BB962C8B-B14F-4D97-AF65-F5344CB8AC3E}">
         <p14:creationId xmlns:p14="http://schemas.microsoft.com/office/powerpoint/2010/main" val="823302063"/>
+      </p:ext>
+    </p:extLst>
+  </p:cSld>
+  <p:clrMapOvr>
+    <a:masterClrMapping/>
+  </p:clrMapOvr>
+</p:sld>
+</file>
+
+<file path=ppt/slides/slide2.xml><?xml version="1.0" encoding="utf-8"?>
+<p:sld xmlns:a="http://schemas.openxmlformats.org/drawingml/2006/main" xmlns:r="http://schemas.openxmlformats.org/officeDocument/2006/relationships" xmlns:p="http://schemas.openxmlformats.org/presentationml/2006/main">
+  <p:cSld>
+    <p:spTree>
+      <p:nvGrpSpPr>
+        <p:cNvPr id="1" name=""/>
+        <p:cNvGrpSpPr/>
+        <p:nvPr/>
+      </p:nvGrpSpPr>
+      <p:grpSpPr>
+        <a:xfrm>
+          <a:off x="0" y="0"/>
+          <a:ext cx="0" cy="0"/>
+          <a:chOff x="0" y="0"/>
+          <a:chExt cx="0" cy="0"/>
+        </a:xfrm>
+      </p:grpSpPr>
+      <p:sp>
+        <p:nvSpPr>
+          <p:cNvPr id="2" name="Titel 1">
+            <a:extLst>
+              <a:ext uri="{FF2B5EF4-FFF2-40B4-BE49-F238E27FC236}">
+                <a16:creationId xmlns:a16="http://schemas.microsoft.com/office/drawing/2014/main" id="{099730C1-82A5-4F69-A048-D614448F3788}"/>
+              </a:ext>
+            </a:extLst>
+          </p:cNvPr>
+          <p:cNvSpPr>
+            <a:spLocks noGrp="1"/>
+          </p:cNvSpPr>
+          <p:nvPr>
+            <p:ph type="title"/>
+          </p:nvPr>
+        </p:nvSpPr>
+        <p:spPr/>
+        <p:txBody>
+          <a:bodyPr/>
+          <a:lstStyle/>
+          <a:p>
+            <a:r>
+              <a:rPr lang="de-DE" dirty="0">
+                <a:latin typeface="Century Gothic" panose="020B0502020202020204" pitchFamily="34" charset="0"/>
+              </a:rPr>
+              <a:t>ÜBERSICHT</a:t>
+            </a:r>
+          </a:p>
+        </p:txBody>
+      </p:sp>
+      <p:sp>
+        <p:nvSpPr>
+          <p:cNvPr id="3" name="Inhaltsplatzhalter 2">
+            <a:extLst>
+              <a:ext uri="{FF2B5EF4-FFF2-40B4-BE49-F238E27FC236}">
+                <a16:creationId xmlns:a16="http://schemas.microsoft.com/office/drawing/2014/main" id="{70572126-3BEC-4C73-951F-0EB51198039F}"/>
+              </a:ext>
+            </a:extLst>
+          </p:cNvPr>
+          <p:cNvSpPr>
+            <a:spLocks noGrp="1"/>
+          </p:cNvSpPr>
+          <p:nvPr>
+            <p:ph idx="1"/>
+          </p:nvPr>
+        </p:nvSpPr>
+        <p:spPr/>
+        <p:txBody>
+          <a:bodyPr/>
+          <a:lstStyle/>
+          <a:p>
+            <a:r>
+              <a:rPr lang="de-DE" dirty="0"/>
+              <a:t>MOTIVATION &amp; CHANCEN DES SKILL-KOMPASS</a:t>
+            </a:r>
+          </a:p>
+          <a:p>
+            <a:pPr lvl="1"/>
+            <a:r>
+              <a:rPr lang="de-DE" dirty="0"/>
+              <a:t>PROBLEMSTELLUNG</a:t>
+            </a:r>
+          </a:p>
+          <a:p>
+            <a:pPr lvl="1"/>
+            <a:r>
+              <a:rPr lang="de-DE" dirty="0"/>
+              <a:t>ADRESSIERUNG DER PROBLEME MIT SKILL-KOMPASS </a:t>
+            </a:r>
+          </a:p>
+          <a:p>
+            <a:r>
+              <a:rPr lang="de-DE" dirty="0"/>
+              <a:t>HERAUSFORDERUNGEN IN DER IMPLEMENTIERUNG</a:t>
+            </a:r>
+          </a:p>
+          <a:p>
+            <a:pPr lvl="1"/>
+            <a:r>
+              <a:rPr lang="de-DE" dirty="0"/>
+              <a:t>RISIKEN (BIAS)</a:t>
+            </a:r>
+          </a:p>
+          <a:p>
+            <a:pPr lvl="1"/>
+            <a:r>
+              <a:rPr lang="de-DE" dirty="0"/>
+              <a:t>INTEGRATION VON FAIRNESS</a:t>
+            </a:r>
+          </a:p>
+          <a:p>
+            <a:r>
+              <a:rPr lang="de-DE" dirty="0"/>
+              <a:t>KONZEPT / UMSETZUNG</a:t>
+            </a:r>
+          </a:p>
+          <a:p>
+            <a:r>
+              <a:rPr lang="de-DE" dirty="0"/>
+              <a:t>AUSBLICK (AUSWEITUNG AUF ANDERE ANWENDUNGSBEREICHE)</a:t>
+            </a:r>
+          </a:p>
+          <a:p>
+            <a:r>
+              <a:rPr lang="de-DE" dirty="0"/>
+              <a:t>FAZIT</a:t>
+            </a:r>
+          </a:p>
+          <a:p>
+            <a:pPr lvl="1"/>
+            <a:endParaRPr lang="de-DE" dirty="0"/>
+          </a:p>
+        </p:txBody>
+      </p:sp>
+      <p:pic>
+        <p:nvPicPr>
+          <p:cNvPr id="4" name="Grafik 3">
+            <a:extLst>
+              <a:ext uri="{FF2B5EF4-FFF2-40B4-BE49-F238E27FC236}">
+                <a16:creationId xmlns:a16="http://schemas.microsoft.com/office/drawing/2014/main" id="{AAC07B7F-BD06-47D2-AC31-5E2724D3A774}"/>
+              </a:ext>
+            </a:extLst>
+          </p:cNvPr>
+          <p:cNvPicPr>
+            <a:picLocks noChangeAspect="1"/>
+          </p:cNvPicPr>
+          <p:nvPr/>
+        </p:nvPicPr>
+        <p:blipFill>
+          <a:blip r:embed="rId2">
+            <a:extLst>
+              <a:ext uri="{28A0092B-C50C-407E-A947-70E740481C1C}">
+                <a14:useLocalDpi xmlns:a14="http://schemas.microsoft.com/office/drawing/2010/main" val="0"/>
+              </a:ext>
+            </a:extLst>
+          </a:blip>
+          <a:stretch>
+            <a:fillRect/>
+          </a:stretch>
+        </p:blipFill>
+        <p:spPr>
+          <a:xfrm>
+            <a:off x="9393382" y="208136"/>
+            <a:ext cx="2549236" cy="1274618"/>
+          </a:xfrm>
+          <a:prstGeom prst="rect">
+            <a:avLst/>
+          </a:prstGeom>
+        </p:spPr>
+      </p:pic>
+    </p:spTree>
+    <p:extLst>
+      <p:ext uri="{BB962C8B-B14F-4D97-AF65-F5344CB8AC3E}">
+        <p14:creationId xmlns:p14="http://schemas.microsoft.com/office/powerpoint/2010/main" val="2882444838"/>
+      </p:ext>
+    </p:extLst>
+  </p:cSld>
+  <p:clrMapOvr>
+    <a:masterClrMapping/>
+  </p:clrMapOvr>
+</p:sld>
+</file>
+
+<file path=ppt/slides/slide3.xml><?xml version="1.0" encoding="utf-8"?>
+<p:sld xmlns:a="http://schemas.openxmlformats.org/drawingml/2006/main" xmlns:r="http://schemas.openxmlformats.org/officeDocument/2006/relationships" xmlns:p="http://schemas.openxmlformats.org/presentationml/2006/main">
+  <p:cSld>
+    <p:spTree>
+      <p:nvGrpSpPr>
+        <p:cNvPr id="1" name=""/>
+        <p:cNvGrpSpPr/>
+        <p:nvPr/>
+      </p:nvGrpSpPr>
+      <p:grpSpPr>
+        <a:xfrm>
+          <a:off x="0" y="0"/>
+          <a:ext cx="0" cy="0"/>
+          <a:chOff x="0" y="0"/>
+          <a:chExt cx="0" cy="0"/>
+        </a:xfrm>
+      </p:grpSpPr>
+      <p:sp>
+        <p:nvSpPr>
+          <p:cNvPr id="2" name="Titel 1">
+            <a:extLst>
+              <a:ext uri="{FF2B5EF4-FFF2-40B4-BE49-F238E27FC236}">
+                <a16:creationId xmlns:a16="http://schemas.microsoft.com/office/drawing/2014/main" id="{C719865F-E078-4B8A-BF02-A58044E3AB07}"/>
+              </a:ext>
+            </a:extLst>
+          </p:cNvPr>
+          <p:cNvSpPr>
+            <a:spLocks noGrp="1"/>
+          </p:cNvSpPr>
+          <p:nvPr>
+            <p:ph type="title"/>
+          </p:nvPr>
+        </p:nvSpPr>
+        <p:spPr/>
+        <p:txBody>
+          <a:bodyPr/>
+          <a:lstStyle/>
+          <a:p>
+            <a:r>
+              <a:rPr lang="de-DE" dirty="0">
+                <a:latin typeface="Century Gothic" panose="020B0502020202020204" pitchFamily="34" charset="0"/>
+              </a:rPr>
+              <a:t>MOTIVATION</a:t>
+            </a:r>
+          </a:p>
+        </p:txBody>
+      </p:sp>
+      <p:sp>
+        <p:nvSpPr>
+          <p:cNvPr id="7" name="Textplatzhalter 6">
+            <a:extLst>
+              <a:ext uri="{FF2B5EF4-FFF2-40B4-BE49-F238E27FC236}">
+                <a16:creationId xmlns:a16="http://schemas.microsoft.com/office/drawing/2014/main" id="{2ADF9011-D625-4DF1-859B-DC7D6D83E38A}"/>
+              </a:ext>
+            </a:extLst>
+          </p:cNvPr>
+          <p:cNvSpPr>
+            <a:spLocks noGrp="1"/>
+          </p:cNvSpPr>
+          <p:nvPr>
+            <p:ph type="body" idx="1"/>
+          </p:nvPr>
+        </p:nvSpPr>
+        <p:spPr/>
+        <p:txBody>
+          <a:bodyPr/>
+          <a:lstStyle/>
+          <a:p>
+            <a:r>
+              <a:rPr lang="de-DE" dirty="0"/>
+              <a:t>Ausgangssituation:</a:t>
+            </a:r>
+          </a:p>
+        </p:txBody>
+      </p:sp>
+      <p:sp>
+        <p:nvSpPr>
+          <p:cNvPr id="3" name="Inhaltsplatzhalter 2">
+            <a:extLst>
+              <a:ext uri="{FF2B5EF4-FFF2-40B4-BE49-F238E27FC236}">
+                <a16:creationId xmlns:a16="http://schemas.microsoft.com/office/drawing/2014/main" id="{9F048C41-F723-480A-B114-F4590C1F7B1F}"/>
+              </a:ext>
+            </a:extLst>
+          </p:cNvPr>
+          <p:cNvSpPr>
+            <a:spLocks noGrp="1"/>
+          </p:cNvSpPr>
+          <p:nvPr>
+            <p:ph sz="half" idx="2"/>
+          </p:nvPr>
+        </p:nvSpPr>
+        <p:spPr/>
+        <p:txBody>
+          <a:bodyPr>
+            <a:normAutofit fontScale="77500" lnSpcReduction="20000"/>
+          </a:bodyPr>
+          <a:lstStyle/>
+          <a:p>
+            <a:r>
+              <a:rPr lang="de-DE" dirty="0" err="1"/>
+              <a:t>Xxx</a:t>
+            </a:r>
+            <a:r>
+              <a:rPr lang="de-DE" dirty="0"/>
+              <a:t> Mitglieder/Stipendiaten</a:t>
+            </a:r>
+          </a:p>
+          <a:p>
+            <a:r>
+              <a:rPr lang="de-DE" dirty="0"/>
+              <a:t>Vielzahl an Angeboten und Events zur Weiterbildung und persönlichen Weiterentwicklung</a:t>
+            </a:r>
+          </a:p>
+        </p:txBody>
+      </p:sp>
+      <p:sp>
+        <p:nvSpPr>
+          <p:cNvPr id="8" name="Textplatzhalter 7">
+            <a:extLst>
+              <a:ext uri="{FF2B5EF4-FFF2-40B4-BE49-F238E27FC236}">
+                <a16:creationId xmlns:a16="http://schemas.microsoft.com/office/drawing/2014/main" id="{926552FE-A384-4160-8F3D-CDDBDD0ED393}"/>
+              </a:ext>
+            </a:extLst>
+          </p:cNvPr>
+          <p:cNvSpPr>
+            <a:spLocks noGrp="1"/>
+          </p:cNvSpPr>
+          <p:nvPr>
+            <p:ph type="body" sz="quarter" idx="3"/>
+          </p:nvPr>
+        </p:nvSpPr>
+        <p:spPr/>
+        <p:txBody>
+          <a:bodyPr/>
+          <a:lstStyle/>
+          <a:p>
+            <a:r>
+              <a:rPr lang="de-DE" dirty="0"/>
+              <a:t>Chancen durch Einführung des </a:t>
+            </a:r>
+            <a:r>
+              <a:rPr lang="de-DE" dirty="0" err="1"/>
+              <a:t>Skill</a:t>
+            </a:r>
+            <a:r>
+              <a:rPr lang="de-DE" dirty="0"/>
+              <a:t>-Kompass</a:t>
+            </a:r>
+          </a:p>
+        </p:txBody>
+      </p:sp>
+      <p:sp>
+        <p:nvSpPr>
+          <p:cNvPr id="9" name="Inhaltsplatzhalter 8">
+            <a:extLst>
+              <a:ext uri="{FF2B5EF4-FFF2-40B4-BE49-F238E27FC236}">
+                <a16:creationId xmlns:a16="http://schemas.microsoft.com/office/drawing/2014/main" id="{39D1A32F-A3B6-49F7-8728-1348D383D148}"/>
+              </a:ext>
+            </a:extLst>
+          </p:cNvPr>
+          <p:cNvSpPr>
+            <a:spLocks noGrp="1"/>
+          </p:cNvSpPr>
+          <p:nvPr>
+            <p:ph sz="quarter" idx="4"/>
+          </p:nvPr>
+        </p:nvSpPr>
+        <p:spPr/>
+        <p:txBody>
+          <a:bodyPr>
+            <a:normAutofit fontScale="77500" lnSpcReduction="20000"/>
+          </a:bodyPr>
+          <a:lstStyle/>
+          <a:p>
+            <a:r>
+              <a:rPr lang="de-DE" dirty="0"/>
+              <a:t>Individuelle Betreuung der Mitglieder</a:t>
+            </a:r>
+          </a:p>
+          <a:p>
+            <a:r>
+              <a:rPr lang="de-DE" dirty="0"/>
+              <a:t>Reduktion der Informationsflut</a:t>
+            </a:r>
+          </a:p>
+          <a:p>
+            <a:r>
+              <a:rPr lang="de-DE" dirty="0"/>
+              <a:t>Inspiration und Motivation zur Teilnahme an passenden Veranstaltungen</a:t>
+            </a:r>
+          </a:p>
+          <a:p>
+            <a:r>
+              <a:rPr lang="de-DE" dirty="0"/>
+              <a:t>Weiterbildung</a:t>
+            </a:r>
+          </a:p>
+          <a:p>
+            <a:pPr lvl="1"/>
+            <a:r>
+              <a:rPr lang="de-DE" dirty="0"/>
+              <a:t>Entdecken neuer Fähigkeiten</a:t>
+            </a:r>
+          </a:p>
+          <a:p>
+            <a:pPr lvl="1"/>
+            <a:r>
+              <a:rPr lang="de-DE" dirty="0"/>
+              <a:t>Vertiefen vorhandener Fähigkeiten</a:t>
+            </a:r>
+          </a:p>
+          <a:p>
+            <a:r>
+              <a:rPr lang="de-DE" dirty="0"/>
+              <a:t>Förderung des Engagements auf Plattform</a:t>
+            </a:r>
+          </a:p>
+          <a:p>
+            <a:pPr lvl="1"/>
+            <a:r>
+              <a:rPr lang="de-DE" dirty="0"/>
+              <a:t>Stärkt persönlichen Nutzen</a:t>
+            </a:r>
+          </a:p>
+          <a:p>
+            <a:pPr lvl="1"/>
+            <a:r>
+              <a:rPr lang="de-DE" dirty="0"/>
+              <a:t>Stärt Nutzen für gesamtes Netzwerk</a:t>
+            </a:r>
+          </a:p>
+          <a:p>
+            <a:endParaRPr lang="de-DE" dirty="0"/>
+          </a:p>
+        </p:txBody>
+      </p:sp>
+    </p:spTree>
+    <p:extLst>
+      <p:ext uri="{BB962C8B-B14F-4D97-AF65-F5344CB8AC3E}">
+        <p14:creationId xmlns:p14="http://schemas.microsoft.com/office/powerpoint/2010/main" val="120403312"/>
+      </p:ext>
+    </p:extLst>
+  </p:cSld>
+  <p:clrMapOvr>
+    <a:masterClrMapping/>
+  </p:clrMapOvr>
+</p:sld>
+</file>
+
+<file path=ppt/slides/slide4.xml><?xml version="1.0" encoding="utf-8"?>
+<p:sld xmlns:a="http://schemas.openxmlformats.org/drawingml/2006/main" xmlns:r="http://schemas.openxmlformats.org/officeDocument/2006/relationships" xmlns:p="http://schemas.openxmlformats.org/presentationml/2006/main">
+  <p:cSld>
+    <p:spTree>
+      <p:nvGrpSpPr>
+        <p:cNvPr id="1" name=""/>
+        <p:cNvGrpSpPr/>
+        <p:nvPr/>
+      </p:nvGrpSpPr>
+      <p:grpSpPr>
+        <a:xfrm>
+          <a:off x="0" y="0"/>
+          <a:ext cx="0" cy="0"/>
+          <a:chOff x="0" y="0"/>
+          <a:chExt cx="0" cy="0"/>
+        </a:xfrm>
+      </p:grpSpPr>
+      <p:sp>
+        <p:nvSpPr>
+          <p:cNvPr id="2" name="Titel 1">
+            <a:extLst>
+              <a:ext uri="{FF2B5EF4-FFF2-40B4-BE49-F238E27FC236}">
+                <a16:creationId xmlns:a16="http://schemas.microsoft.com/office/drawing/2014/main" id="{0AEFBB07-EFCF-454F-B1EA-2024D10AF5FC}"/>
+              </a:ext>
+            </a:extLst>
+          </p:cNvPr>
+          <p:cNvSpPr>
+            <a:spLocks noGrp="1"/>
+          </p:cNvSpPr>
+          <p:nvPr>
+            <p:ph type="title"/>
+          </p:nvPr>
+        </p:nvSpPr>
+        <p:spPr/>
+        <p:txBody>
+          <a:bodyPr/>
+          <a:lstStyle/>
+          <a:p>
+            <a:r>
+              <a:rPr lang="de-DE" dirty="0">
+                <a:latin typeface="Century Gothic" panose="020B0502020202020204" pitchFamily="34" charset="0"/>
+              </a:rPr>
+              <a:t>RISIKIEN</a:t>
+            </a:r>
+          </a:p>
+        </p:txBody>
+      </p:sp>
+      <p:sp>
+        <p:nvSpPr>
+          <p:cNvPr id="8" name="Inhaltsplatzhalter 7">
+            <a:extLst>
+              <a:ext uri="{FF2B5EF4-FFF2-40B4-BE49-F238E27FC236}">
+                <a16:creationId xmlns:a16="http://schemas.microsoft.com/office/drawing/2014/main" id="{093B8D1B-B602-439F-AA7C-BFFCB39F97AF}"/>
+              </a:ext>
+            </a:extLst>
+          </p:cNvPr>
+          <p:cNvSpPr>
+            <a:spLocks noGrp="1"/>
+          </p:cNvSpPr>
+          <p:nvPr>
+            <p:ph idx="1"/>
+          </p:nvPr>
+        </p:nvSpPr>
+        <p:spPr/>
+        <p:txBody>
+          <a:bodyPr/>
+          <a:lstStyle/>
+          <a:p>
+            <a:r>
+              <a:rPr lang="de-DE" dirty="0"/>
+              <a:t>Mangelhaftes </a:t>
+            </a:r>
+            <a:r>
+              <a:rPr lang="de-DE" dirty="0" err="1"/>
+              <a:t>Recommender</a:t>
+            </a:r>
+            <a:r>
+              <a:rPr lang="de-DE" dirty="0"/>
+              <a:t> System:</a:t>
+            </a:r>
+          </a:p>
+          <a:p>
+            <a:pPr lvl="1"/>
+            <a:r>
+              <a:rPr lang="de-DE" dirty="0"/>
+              <a:t>Demotivierend</a:t>
+            </a:r>
+          </a:p>
+          <a:p>
+            <a:pPr lvl="1"/>
+            <a:r>
+              <a:rPr lang="de-DE" dirty="0"/>
+              <a:t>Keine Nutzung</a:t>
+            </a:r>
+          </a:p>
+          <a:p>
+            <a:pPr marL="457200" lvl="1" indent="0">
+              <a:buNone/>
+            </a:pPr>
+            <a:endParaRPr lang="de-DE" dirty="0"/>
+          </a:p>
+          <a:p>
+            <a:pPr lvl="1"/>
+            <a:r>
+              <a:rPr lang="de-DE" dirty="0"/>
+              <a:t>Verstärkung von Stereotypen und Vorurteilen</a:t>
+            </a:r>
+          </a:p>
+          <a:p>
+            <a:pPr lvl="1"/>
+            <a:r>
+              <a:rPr lang="de-DE" dirty="0"/>
+              <a:t>Diskriminierung</a:t>
+            </a:r>
+          </a:p>
+          <a:p>
+            <a:pPr lvl="1"/>
+            <a:endParaRPr lang="de-DE" dirty="0"/>
+          </a:p>
+          <a:p>
+            <a:pPr lvl="1"/>
+            <a:r>
+              <a:rPr lang="de-DE" dirty="0"/>
+              <a:t>=&gt; Berücksichtigung von BIAS und Sicherstellung von FAIRNESS</a:t>
+            </a:r>
+          </a:p>
+        </p:txBody>
+      </p:sp>
+    </p:spTree>
+    <p:extLst>
+      <p:ext uri="{BB962C8B-B14F-4D97-AF65-F5344CB8AC3E}">
+        <p14:creationId xmlns:p14="http://schemas.microsoft.com/office/powerpoint/2010/main" val="2080250689"/>
+      </p:ext>
+    </p:extLst>
+  </p:cSld>
+  <p:clrMapOvr>
+    <a:masterClrMapping/>
+  </p:clrMapOvr>
+</p:sld>
+</file>
+
+<file path=ppt/slides/slide5.xml><?xml version="1.0" encoding="utf-8"?>
+<p:sld xmlns:a="http://schemas.openxmlformats.org/drawingml/2006/main" xmlns:r="http://schemas.openxmlformats.org/officeDocument/2006/relationships" xmlns:p="http://schemas.openxmlformats.org/presentationml/2006/main">
+  <p:cSld>
+    <p:spTree>
+      <p:nvGrpSpPr>
+        <p:cNvPr id="1" name=""/>
+        <p:cNvGrpSpPr/>
+        <p:nvPr/>
+      </p:nvGrpSpPr>
+      <p:grpSpPr>
+        <a:xfrm>
+          <a:off x="0" y="0"/>
+          <a:ext cx="0" cy="0"/>
+          <a:chOff x="0" y="0"/>
+          <a:chExt cx="0" cy="0"/>
+        </a:xfrm>
+      </p:grpSpPr>
+      <p:sp>
+        <p:nvSpPr>
+          <p:cNvPr id="2" name="Titel 1">
+            <a:extLst>
+              <a:ext uri="{FF2B5EF4-FFF2-40B4-BE49-F238E27FC236}">
+                <a16:creationId xmlns:a16="http://schemas.microsoft.com/office/drawing/2014/main" id="{5DC63D56-E96C-4945-9BE0-5FEB00C124FB}"/>
+              </a:ext>
+            </a:extLst>
+          </p:cNvPr>
+          <p:cNvSpPr>
+            <a:spLocks noGrp="1"/>
+          </p:cNvSpPr>
+          <p:nvPr>
+            <p:ph type="title"/>
+          </p:nvPr>
+        </p:nvSpPr>
+        <p:spPr/>
+        <p:txBody>
+          <a:bodyPr/>
+          <a:lstStyle/>
+          <a:p>
+            <a:r>
+              <a:rPr lang="de-DE" dirty="0">
+                <a:latin typeface="Century Gothic" panose="020B0502020202020204" pitchFamily="34" charset="0"/>
+              </a:rPr>
+              <a:t>BIAS</a:t>
+            </a:r>
+          </a:p>
+        </p:txBody>
+      </p:sp>
+      <p:sp>
+        <p:nvSpPr>
+          <p:cNvPr id="4" name="Textplatzhalter 3">
+            <a:extLst>
+              <a:ext uri="{FF2B5EF4-FFF2-40B4-BE49-F238E27FC236}">
+                <a16:creationId xmlns:a16="http://schemas.microsoft.com/office/drawing/2014/main" id="{0CDBD2BF-2519-43FD-B7B2-A83772C1168C}"/>
+              </a:ext>
+            </a:extLst>
+          </p:cNvPr>
+          <p:cNvSpPr>
+            <a:spLocks noGrp="1"/>
+          </p:cNvSpPr>
+          <p:nvPr>
+            <p:ph type="body" idx="1"/>
+          </p:nvPr>
+        </p:nvSpPr>
+        <p:spPr/>
+        <p:txBody>
+          <a:bodyPr/>
+          <a:lstStyle/>
+          <a:p>
+            <a:r>
+              <a:rPr lang="de-DE" dirty="0"/>
+              <a:t>Sensible Merkmale	</a:t>
+            </a:r>
+          </a:p>
+        </p:txBody>
+      </p:sp>
+      <p:sp>
+        <p:nvSpPr>
+          <p:cNvPr id="5" name="Inhaltsplatzhalter 4">
+            <a:extLst>
+              <a:ext uri="{FF2B5EF4-FFF2-40B4-BE49-F238E27FC236}">
+                <a16:creationId xmlns:a16="http://schemas.microsoft.com/office/drawing/2014/main" id="{31D6C42B-53E7-4ACF-9D34-581AD96DBA21}"/>
+              </a:ext>
+            </a:extLst>
+          </p:cNvPr>
+          <p:cNvSpPr>
+            <a:spLocks noGrp="1"/>
+          </p:cNvSpPr>
+          <p:nvPr>
+            <p:ph sz="half" idx="2"/>
+          </p:nvPr>
+        </p:nvSpPr>
+        <p:spPr/>
+        <p:txBody>
+          <a:bodyPr/>
+          <a:lstStyle/>
+          <a:p>
+            <a:r>
+              <a:rPr lang="de-DE" dirty="0"/>
+              <a:t>Geschlecht</a:t>
+            </a:r>
+          </a:p>
+          <a:p>
+            <a:r>
+              <a:rPr lang="de-DE" dirty="0"/>
+              <a:t>Nationalität/Migrationshintergrund (z.B. Kriegsflüchtling, Einwanderereltern, …)</a:t>
+            </a:r>
+          </a:p>
+          <a:p>
+            <a:r>
+              <a:rPr lang="de-DE" dirty="0"/>
+              <a:t>Bildungsstand</a:t>
+            </a:r>
+          </a:p>
+          <a:p>
+            <a:r>
+              <a:rPr lang="de-DE" dirty="0"/>
+              <a:t>Selbsteinschätzung bei Fähigkeiten</a:t>
+            </a:r>
+          </a:p>
+        </p:txBody>
+      </p:sp>
+      <p:sp>
+        <p:nvSpPr>
+          <p:cNvPr id="6" name="Textplatzhalter 5">
+            <a:extLst>
+              <a:ext uri="{FF2B5EF4-FFF2-40B4-BE49-F238E27FC236}">
+                <a16:creationId xmlns:a16="http://schemas.microsoft.com/office/drawing/2014/main" id="{C9E773B9-05EC-4B35-AE9D-18C320EF2ECF}"/>
+              </a:ext>
+            </a:extLst>
+          </p:cNvPr>
+          <p:cNvSpPr>
+            <a:spLocks noGrp="1"/>
+          </p:cNvSpPr>
+          <p:nvPr>
+            <p:ph type="body" sz="quarter" idx="3"/>
+          </p:nvPr>
+        </p:nvSpPr>
+        <p:spPr/>
+        <p:txBody>
+          <a:bodyPr/>
+          <a:lstStyle/>
+          <a:p>
+            <a:r>
+              <a:rPr lang="de-DE" dirty="0"/>
+              <a:t>BIAS Arten</a:t>
+            </a:r>
+          </a:p>
+        </p:txBody>
+      </p:sp>
+      <p:sp>
+        <p:nvSpPr>
+          <p:cNvPr id="7" name="Inhaltsplatzhalter 6">
+            <a:extLst>
+              <a:ext uri="{FF2B5EF4-FFF2-40B4-BE49-F238E27FC236}">
+                <a16:creationId xmlns:a16="http://schemas.microsoft.com/office/drawing/2014/main" id="{3DE47C6A-C9E1-46AE-AA3F-F95DE3D5264D}"/>
+              </a:ext>
+            </a:extLst>
+          </p:cNvPr>
+          <p:cNvSpPr>
+            <a:spLocks noGrp="1"/>
+          </p:cNvSpPr>
+          <p:nvPr>
+            <p:ph sz="quarter" idx="4"/>
+          </p:nvPr>
+        </p:nvSpPr>
+        <p:spPr/>
+        <p:txBody>
+          <a:bodyPr/>
+          <a:lstStyle/>
+          <a:p>
+            <a:endParaRPr lang="de-DE"/>
+          </a:p>
+        </p:txBody>
+      </p:sp>
+    </p:spTree>
+    <p:extLst>
+      <p:ext uri="{BB962C8B-B14F-4D97-AF65-F5344CB8AC3E}">
+        <p14:creationId xmlns:p14="http://schemas.microsoft.com/office/powerpoint/2010/main" val="3072201028"/>
+      </p:ext>
+    </p:extLst>
+  </p:cSld>
+  <p:clrMapOvr>
+    <a:masterClrMapping/>
+  </p:clrMapOvr>
+</p:sld>
+</file>
+
+<file path=ppt/slides/slide6.xml><?xml version="1.0" encoding="utf-8"?>
+<p:sld xmlns:a="http://schemas.openxmlformats.org/drawingml/2006/main" xmlns:r="http://schemas.openxmlformats.org/officeDocument/2006/relationships" xmlns:p="http://schemas.openxmlformats.org/presentationml/2006/main">
+  <p:cSld>
+    <p:spTree>
+      <p:nvGrpSpPr>
+        <p:cNvPr id="1" name=""/>
+        <p:cNvGrpSpPr/>
+        <p:nvPr/>
+      </p:nvGrpSpPr>
+      <p:grpSpPr>
+        <a:xfrm>
+          <a:off x="0" y="0"/>
+          <a:ext cx="0" cy="0"/>
+          <a:chOff x="0" y="0"/>
+          <a:chExt cx="0" cy="0"/>
+        </a:xfrm>
+      </p:grpSpPr>
+      <p:sp>
+        <p:nvSpPr>
+          <p:cNvPr id="2" name="Titel 1">
+            <a:extLst>
+              <a:ext uri="{FF2B5EF4-FFF2-40B4-BE49-F238E27FC236}">
+                <a16:creationId xmlns:a16="http://schemas.microsoft.com/office/drawing/2014/main" id="{CDBB62B1-63F4-47E6-B9A3-C54AA63684FB}"/>
+              </a:ext>
+            </a:extLst>
+          </p:cNvPr>
+          <p:cNvSpPr>
+            <a:spLocks noGrp="1"/>
+          </p:cNvSpPr>
+          <p:nvPr>
+            <p:ph type="title"/>
+          </p:nvPr>
+        </p:nvSpPr>
+        <p:spPr/>
+        <p:txBody>
+          <a:bodyPr/>
+          <a:lstStyle/>
+          <a:p>
+            <a:r>
+              <a:rPr lang="de-DE" dirty="0">
+                <a:latin typeface="Century Gothic" panose="020B0502020202020204" pitchFamily="34" charset="0"/>
+              </a:rPr>
+              <a:t>FAIRNESS</a:t>
+            </a:r>
+          </a:p>
+        </p:txBody>
+      </p:sp>
+      <p:sp>
+        <p:nvSpPr>
+          <p:cNvPr id="3" name="Inhaltsplatzhalter 2">
+            <a:extLst>
+              <a:ext uri="{FF2B5EF4-FFF2-40B4-BE49-F238E27FC236}">
+                <a16:creationId xmlns:a16="http://schemas.microsoft.com/office/drawing/2014/main" id="{1737D614-036D-4F47-BD41-A560547CB9D4}"/>
+              </a:ext>
+            </a:extLst>
+          </p:cNvPr>
+          <p:cNvSpPr>
+            <a:spLocks noGrp="1"/>
+          </p:cNvSpPr>
+          <p:nvPr>
+            <p:ph idx="1"/>
+          </p:nvPr>
+        </p:nvSpPr>
+        <p:spPr/>
+        <p:txBody>
+          <a:bodyPr/>
+          <a:lstStyle/>
+          <a:p>
+            <a:r>
+              <a:rPr lang="de-DE" dirty="0" err="1"/>
+              <a:t>Equalized</a:t>
+            </a:r>
+            <a:r>
+              <a:rPr lang="de-DE" dirty="0"/>
+              <a:t> Odds</a:t>
+            </a:r>
+          </a:p>
+          <a:p>
+            <a:pPr lvl="1"/>
+            <a:r>
+              <a:rPr lang="de-DE" dirty="0"/>
+              <a:t>Inaktive/neue Nutzer vs. Aktive Nutzer</a:t>
+            </a:r>
+          </a:p>
+          <a:p>
+            <a:pPr lvl="1"/>
+            <a:r>
+              <a:rPr lang="de-DE" dirty="0"/>
+              <a:t>Populäre vs. Inaktive Nutzer</a:t>
+            </a:r>
+          </a:p>
+        </p:txBody>
+      </p:sp>
+    </p:spTree>
+    <p:extLst>
+      <p:ext uri="{BB962C8B-B14F-4D97-AF65-F5344CB8AC3E}">
+        <p14:creationId xmlns:p14="http://schemas.microsoft.com/office/powerpoint/2010/main" val="2981925494"/>
+      </p:ext>
+    </p:extLst>
+  </p:cSld>
+  <p:clrMapOvr>
+    <a:masterClrMapping/>
+  </p:clrMapOvr>
+</p:sld>
+</file>
+
+<file path=ppt/slides/slide7.xml><?xml version="1.0" encoding="utf-8"?>
+<p:sld xmlns:a="http://schemas.openxmlformats.org/drawingml/2006/main" xmlns:r="http://schemas.openxmlformats.org/officeDocument/2006/relationships" xmlns:p="http://schemas.openxmlformats.org/presentationml/2006/main">
+  <p:cSld>
+    <p:spTree>
+      <p:nvGrpSpPr>
+        <p:cNvPr id="1" name=""/>
+        <p:cNvGrpSpPr/>
+        <p:nvPr/>
+      </p:nvGrpSpPr>
+      <p:grpSpPr>
+        <a:xfrm>
+          <a:off x="0" y="0"/>
+          <a:ext cx="0" cy="0"/>
+          <a:chOff x="0" y="0"/>
+          <a:chExt cx="0" cy="0"/>
+        </a:xfrm>
+      </p:grpSpPr>
+      <p:sp>
+        <p:nvSpPr>
+          <p:cNvPr id="2" name="Titel 1">
+            <a:extLst>
+              <a:ext uri="{FF2B5EF4-FFF2-40B4-BE49-F238E27FC236}">
+                <a16:creationId xmlns:a16="http://schemas.microsoft.com/office/drawing/2014/main" id="{8840863D-6494-4431-A38A-FD96A9F5B653}"/>
+              </a:ext>
+            </a:extLst>
+          </p:cNvPr>
+          <p:cNvSpPr>
+            <a:spLocks noGrp="1"/>
+          </p:cNvSpPr>
+          <p:nvPr>
+            <p:ph type="title"/>
+          </p:nvPr>
+        </p:nvSpPr>
+        <p:spPr/>
+        <p:txBody>
+          <a:bodyPr/>
+          <a:lstStyle/>
+          <a:p>
+            <a:r>
+              <a:rPr lang="de-DE" dirty="0">
+                <a:latin typeface="Century Gothic" panose="020B0502020202020204" pitchFamily="34" charset="0"/>
+              </a:rPr>
+              <a:t>KONZEPT </a:t>
+            </a:r>
+          </a:p>
+        </p:txBody>
+      </p:sp>
+      <p:sp>
+        <p:nvSpPr>
+          <p:cNvPr id="3" name="Inhaltsplatzhalter 2">
+            <a:extLst>
+              <a:ext uri="{FF2B5EF4-FFF2-40B4-BE49-F238E27FC236}">
+                <a16:creationId xmlns:a16="http://schemas.microsoft.com/office/drawing/2014/main" id="{09F16293-3E50-4963-BFE2-F1AA049A8C3B}"/>
+              </a:ext>
+            </a:extLst>
+          </p:cNvPr>
+          <p:cNvSpPr>
+            <a:spLocks noGrp="1"/>
+          </p:cNvSpPr>
+          <p:nvPr>
+            <p:ph idx="1"/>
+          </p:nvPr>
+        </p:nvSpPr>
+        <p:spPr/>
+        <p:txBody>
+          <a:bodyPr/>
+          <a:lstStyle/>
+          <a:p>
+            <a:r>
+              <a:rPr lang="de-DE" dirty="0"/>
+              <a:t>Hybrides RS</a:t>
+            </a:r>
+          </a:p>
+          <a:p>
+            <a:pPr lvl="1"/>
+            <a:r>
+              <a:rPr lang="de-DE" dirty="0"/>
+              <a:t>CF + Social Network: Ähnlichkeit von Nutzern</a:t>
+            </a:r>
+          </a:p>
+          <a:p>
+            <a:pPr lvl="1"/>
+            <a:r>
+              <a:rPr lang="de-DE" dirty="0"/>
+              <a:t>CB: Empfehlungen auch für neue Nutzer und Items</a:t>
+            </a:r>
+          </a:p>
+          <a:p>
+            <a:pPr lvl="1"/>
+            <a:r>
+              <a:rPr lang="de-DE" dirty="0" err="1"/>
+              <a:t>Conversational</a:t>
+            </a:r>
+            <a:r>
+              <a:rPr lang="de-DE" dirty="0"/>
+              <a:t>: Vervollständigen des Nutzerprofils, kurzfristige Interessen vs. Langfristige Interessen differenzieren, Möglichkeit RS zu lenken und korrigieren</a:t>
+            </a:r>
+          </a:p>
+          <a:p>
+            <a:pPr lvl="1"/>
+            <a:r>
+              <a:rPr lang="de-DE" dirty="0" err="1"/>
+              <a:t>Xplainable</a:t>
+            </a:r>
+            <a:r>
+              <a:rPr lang="de-DE" dirty="0"/>
+              <a:t>: KI != Black-box, Konversation auf Augenhöhe, Nachvollziehen der Empfehlungen, Aufdeckung von Bias, Lenkung</a:t>
+            </a:r>
+          </a:p>
+        </p:txBody>
+      </p:sp>
+    </p:spTree>
+    <p:extLst>
+      <p:ext uri="{BB962C8B-B14F-4D97-AF65-F5344CB8AC3E}">
+        <p14:creationId xmlns:p14="http://schemas.microsoft.com/office/powerpoint/2010/main" val="1210003646"/>
+      </p:ext>
+    </p:extLst>
+  </p:cSld>
+  <p:clrMapOvr>
+    <a:masterClrMapping/>
+  </p:clrMapOvr>
+</p:sld>
+</file>
+
+<file path=ppt/slides/slide8.xml><?xml version="1.0" encoding="utf-8"?>
+<p:sld xmlns:a="http://schemas.openxmlformats.org/drawingml/2006/main" xmlns:r="http://schemas.openxmlformats.org/officeDocument/2006/relationships" xmlns:p="http://schemas.openxmlformats.org/presentationml/2006/main">
+  <p:cSld>
+    <p:spTree>
+      <p:nvGrpSpPr>
+        <p:cNvPr id="1" name=""/>
+        <p:cNvGrpSpPr/>
+        <p:nvPr/>
+      </p:nvGrpSpPr>
+      <p:grpSpPr>
+        <a:xfrm>
+          <a:off x="0" y="0"/>
+          <a:ext cx="0" cy="0"/>
+          <a:chOff x="0" y="0"/>
+          <a:chExt cx="0" cy="0"/>
+        </a:xfrm>
+      </p:grpSpPr>
+      <p:sp>
+        <p:nvSpPr>
+          <p:cNvPr id="2" name="Titel 1">
+            <a:extLst>
+              <a:ext uri="{FF2B5EF4-FFF2-40B4-BE49-F238E27FC236}">
+                <a16:creationId xmlns:a16="http://schemas.microsoft.com/office/drawing/2014/main" id="{BC782B52-3080-4A04-BCB0-BB4DB79567AC}"/>
+              </a:ext>
+            </a:extLst>
+          </p:cNvPr>
+          <p:cNvSpPr>
+            <a:spLocks noGrp="1"/>
+          </p:cNvSpPr>
+          <p:nvPr>
+            <p:ph type="title"/>
+          </p:nvPr>
+        </p:nvSpPr>
+        <p:spPr/>
+        <p:txBody>
+          <a:bodyPr/>
+          <a:lstStyle/>
+          <a:p>
+            <a:r>
+              <a:rPr lang="de-DE" dirty="0">
+                <a:latin typeface="Century Gothic" panose="020B0502020202020204" pitchFamily="34" charset="0"/>
+              </a:rPr>
+              <a:t>AUSBLICK</a:t>
+            </a:r>
+          </a:p>
+        </p:txBody>
+      </p:sp>
+      <p:sp>
+        <p:nvSpPr>
+          <p:cNvPr id="3" name="Inhaltsplatzhalter 2">
+            <a:extLst>
+              <a:ext uri="{FF2B5EF4-FFF2-40B4-BE49-F238E27FC236}">
+                <a16:creationId xmlns:a16="http://schemas.microsoft.com/office/drawing/2014/main" id="{7D251D59-8639-4161-BE20-B979A85D1F00}"/>
+              </a:ext>
+            </a:extLst>
+          </p:cNvPr>
+          <p:cNvSpPr>
+            <a:spLocks noGrp="1"/>
+          </p:cNvSpPr>
+          <p:nvPr>
+            <p:ph idx="1"/>
+          </p:nvPr>
+        </p:nvSpPr>
+        <p:spPr/>
+        <p:txBody>
+          <a:bodyPr/>
+          <a:lstStyle/>
+          <a:p>
+            <a:r>
+              <a:rPr lang="de-DE" dirty="0"/>
+              <a:t>Ausweitung auf andere Bereiche:</a:t>
+            </a:r>
+          </a:p>
+          <a:p>
+            <a:pPr lvl="1"/>
+            <a:r>
+              <a:rPr lang="de-DE" dirty="0"/>
+              <a:t>Unternehmensinterne Weiterbildung</a:t>
+            </a:r>
+          </a:p>
+          <a:p>
+            <a:pPr lvl="1"/>
+            <a:r>
+              <a:rPr lang="de-DE" dirty="0"/>
+              <a:t>E-Learning (</a:t>
+            </a:r>
+            <a:r>
+              <a:rPr lang="de-DE" dirty="0" err="1"/>
+              <a:t>udemy</a:t>
+            </a:r>
+            <a:r>
+              <a:rPr lang="de-DE" dirty="0"/>
+              <a:t>, </a:t>
+            </a:r>
+            <a:r>
+              <a:rPr lang="de-DE" dirty="0" err="1"/>
+              <a:t>coursera</a:t>
+            </a:r>
+            <a:r>
+              <a:rPr lang="de-DE" dirty="0"/>
+              <a:t>,..)</a:t>
+            </a:r>
+          </a:p>
+          <a:p>
+            <a:pPr lvl="1"/>
+            <a:r>
+              <a:rPr lang="de-DE" dirty="0"/>
+              <a:t>Agentur für Arbeit</a:t>
+            </a:r>
+          </a:p>
+          <a:p>
+            <a:pPr lvl="1"/>
+            <a:endParaRPr lang="de-DE" dirty="0"/>
+          </a:p>
+          <a:p>
+            <a:r>
+              <a:rPr lang="de-DE" dirty="0"/>
+              <a:t>Besonderheiten, die es zu beachten gilt:</a:t>
+            </a:r>
+          </a:p>
+          <a:p>
+            <a:pPr lvl="1"/>
+            <a:r>
+              <a:rPr lang="de-DE" dirty="0"/>
+              <a:t>-</a:t>
+            </a:r>
+          </a:p>
+          <a:p>
+            <a:pPr lvl="1"/>
+            <a:r>
+              <a:rPr lang="de-DE" dirty="0"/>
+              <a:t>-</a:t>
+            </a:r>
+          </a:p>
+          <a:p>
+            <a:pPr lvl="1"/>
+            <a:r>
+              <a:rPr lang="de-DE" dirty="0"/>
+              <a:t>-</a:t>
+            </a:r>
+          </a:p>
+        </p:txBody>
+      </p:sp>
+    </p:spTree>
+    <p:extLst>
+      <p:ext uri="{BB962C8B-B14F-4D97-AF65-F5344CB8AC3E}">
+        <p14:creationId xmlns:p14="http://schemas.microsoft.com/office/powerpoint/2010/main" val="3207402800"/>
+      </p:ext>
+    </p:extLst>
+  </p:cSld>
+  <p:clrMapOvr>
+    <a:masterClrMapping/>
+  </p:clrMapOvr>
+</p:sld>
+</file>
+
+<file path=ppt/slides/slide9.xml><?xml version="1.0" encoding="utf-8"?>
+<p:sld xmlns:a="http://schemas.openxmlformats.org/drawingml/2006/main" xmlns:r="http://schemas.openxmlformats.org/officeDocument/2006/relationships" xmlns:p="http://schemas.openxmlformats.org/presentationml/2006/main">
+  <p:cSld>
+    <p:spTree>
+      <p:nvGrpSpPr>
+        <p:cNvPr id="1" name=""/>
+        <p:cNvGrpSpPr/>
+        <p:nvPr/>
+      </p:nvGrpSpPr>
+      <p:grpSpPr>
+        <a:xfrm>
+          <a:off x="0" y="0"/>
+          <a:ext cx="0" cy="0"/>
+          <a:chOff x="0" y="0"/>
+          <a:chExt cx="0" cy="0"/>
+        </a:xfrm>
+      </p:grpSpPr>
+      <p:sp>
+        <p:nvSpPr>
+          <p:cNvPr id="2" name="Titel 1">
+            <a:extLst>
+              <a:ext uri="{FF2B5EF4-FFF2-40B4-BE49-F238E27FC236}">
+                <a16:creationId xmlns:a16="http://schemas.microsoft.com/office/drawing/2014/main" id="{7594664D-9B87-4BCA-9A29-B13F21AF6CDD}"/>
+              </a:ext>
+            </a:extLst>
+          </p:cNvPr>
+          <p:cNvSpPr>
+            <a:spLocks noGrp="1"/>
+          </p:cNvSpPr>
+          <p:nvPr>
+            <p:ph type="title"/>
+          </p:nvPr>
+        </p:nvSpPr>
+        <p:spPr/>
+        <p:txBody>
+          <a:bodyPr/>
+          <a:lstStyle/>
+          <a:p>
+            <a:r>
+              <a:rPr lang="de-DE" dirty="0">
+                <a:latin typeface="Century Gothic" panose="020B0502020202020204" pitchFamily="34" charset="0"/>
+              </a:rPr>
+              <a:t>FAZIT</a:t>
+            </a:r>
+          </a:p>
+        </p:txBody>
+      </p:sp>
+      <p:sp>
+        <p:nvSpPr>
+          <p:cNvPr id="3" name="Inhaltsplatzhalter 2">
+            <a:extLst>
+              <a:ext uri="{FF2B5EF4-FFF2-40B4-BE49-F238E27FC236}">
+                <a16:creationId xmlns:a16="http://schemas.microsoft.com/office/drawing/2014/main" id="{77E9C660-E899-4D06-B8AD-793BCFA0C322}"/>
+              </a:ext>
+            </a:extLst>
+          </p:cNvPr>
+          <p:cNvSpPr>
+            <a:spLocks noGrp="1"/>
+          </p:cNvSpPr>
+          <p:nvPr>
+            <p:ph idx="1"/>
+          </p:nvPr>
+        </p:nvSpPr>
+        <p:spPr/>
+        <p:txBody>
+          <a:bodyPr/>
+          <a:lstStyle/>
+          <a:p>
+            <a:r>
+              <a:rPr lang="de-DE" dirty="0"/>
+              <a:t>Einführung sinnvoll? – Ja!</a:t>
+            </a:r>
+          </a:p>
+          <a:p>
+            <a:endParaRPr lang="de-DE" dirty="0"/>
+          </a:p>
+          <a:p>
+            <a:r>
+              <a:rPr lang="de-DE" dirty="0"/>
+              <a:t>Voraussetzungen: </a:t>
+            </a:r>
+          </a:p>
+          <a:p>
+            <a:pPr lvl="1"/>
+            <a:r>
+              <a:rPr lang="de-DE" dirty="0"/>
+              <a:t>-</a:t>
+            </a:r>
+          </a:p>
+          <a:p>
+            <a:pPr lvl="1"/>
+            <a:r>
+              <a:rPr lang="de-DE" dirty="0"/>
+              <a:t>-</a:t>
+            </a:r>
+          </a:p>
+          <a:p>
+            <a:pPr lvl="1"/>
+            <a:r>
+              <a:rPr lang="de-DE" dirty="0"/>
+              <a:t>-</a:t>
+            </a:r>
+          </a:p>
+          <a:p>
+            <a:pPr lvl="1"/>
+            <a:r>
+              <a:rPr lang="de-DE" dirty="0"/>
+              <a:t>-</a:t>
+            </a:r>
+          </a:p>
+          <a:p>
+            <a:pPr lvl="1"/>
+            <a:endParaRPr lang="de-DE" dirty="0"/>
+          </a:p>
+        </p:txBody>
+      </p:sp>
+    </p:spTree>
+    <p:extLst>
+      <p:ext uri="{BB962C8B-B14F-4D97-AF65-F5344CB8AC3E}">
+        <p14:creationId xmlns:p14="http://schemas.microsoft.com/office/powerpoint/2010/main" val="2384920472"/>
       </p:ext>
     </p:extLst>
   </p:cSld>
